--- a/notes/08_dl/08dl.pptx
+++ b/notes/08_dl/08dl.pptx
@@ -29803,19 +29803,19 @@
             </a:r>
           </a:p>
           <a:p>
-            <a:r>
-              <a:rPr lang="en-US" sz="3200" dirty="0"/>
+            <a:pPr lvl="1"/>
+            <a:r>
+              <a:rPr lang="en-US" sz="2800" dirty="0"/>
               <a:t>It still has limitations </a:t>
             </a:r>
             <a:r>
-              <a:rPr lang="en-US" sz="3200" dirty="0" err="1"/>
+              <a:rPr lang="en-US" sz="2800" dirty="0" err="1"/>
               <a:t>tho</a:t>
             </a:r>
             <a:r>
-              <a:rPr lang="en-US" sz="3200"/>
+              <a:rPr lang="en-US" sz="2800" dirty="0"/>
               <a:t>…</a:t>
             </a:r>
-            <a:endParaRPr lang="en-US" sz="3200" dirty="0"/>
           </a:p>
           <a:p>
             <a:endParaRPr lang="en-US" sz="3200" dirty="0"/>
